--- a/Preparation and Documents/Performance optimization by identifying and correcting bad SQL code.pptx
+++ b/Preparation and Documents/Performance optimization by identifying and correcting bad SQL code.pptx
@@ -5,7 +5,7 @@
     <p:sldMasterId id="2147483674" r:id="rId1"/>
   </p:sldMasterIdLst>
   <p:notesMasterIdLst>
-    <p:notesMasterId r:id="rId22"/>
+    <p:notesMasterId r:id="rId23"/>
   </p:notesMasterIdLst>
   <p:sldIdLst>
     <p:sldId id="334" r:id="rId2"/>
@@ -27,7 +27,8 @@
     <p:sldId id="346" r:id="rId18"/>
     <p:sldId id="347" r:id="rId19"/>
     <p:sldId id="351" r:id="rId20"/>
-    <p:sldId id="348" r:id="rId21"/>
+    <p:sldId id="352" r:id="rId21"/>
+    <p:sldId id="353" r:id="rId22"/>
   </p:sldIdLst>
   <p:sldSz cx="12192000" cy="6858000"/>
   <p:notesSz cx="6858000" cy="9144000"/>
@@ -137,7 +138,7 @@
 <file path=ppt/revisionInfo.xml><?xml version="1.0" encoding="utf-8"?>
 <p1510:revInfo xmlns:a="http://schemas.openxmlformats.org/drawingml/2006/main" xmlns:r="http://schemas.openxmlformats.org/officeDocument/2006/relationships" xmlns:p1510="http://schemas.microsoft.com/office/powerpoint/2015/10/main">
   <p1510:revLst>
-    <p1510:client id="{5FE6A977-828B-4359-92F0-4AA3261FBD7C}" v="48" dt="2024-12-23T14:16:17.095"/>
+    <p1510:client id="{5FE6A977-828B-4359-92F0-4AA3261FBD7C}" v="53" dt="2024-12-24T12:41:48.485"/>
   </p1510:revLst>
 </p1510:revInfo>
 </file>
@@ -146,8 +147,8 @@
 <pc:chgInfo xmlns:a="http://schemas.openxmlformats.org/drawingml/2006/main" xmlns:r="http://schemas.openxmlformats.org/officeDocument/2006/relationships" xmlns:ac="http://schemas.microsoft.com/office/drawing/2013/main/command" xmlns:pc="http://schemas.microsoft.com/office/powerpoint/2013/main/command">
   <pc:docChgLst>
     <pc:chgData name="Uwe Ricken" userId="f02567aecbed924b" providerId="LiveId" clId="{5FE6A977-828B-4359-92F0-4AA3261FBD7C}"/>
-    <pc:docChg chg="undo redo custSel addSld delSld modSld delMainMaster modMainMaster">
-      <pc:chgData name="Uwe Ricken" userId="f02567aecbed924b" providerId="LiveId" clId="{5FE6A977-828B-4359-92F0-4AA3261FBD7C}" dt="2024-12-23T16:16:40.494" v="3369" actId="700"/>
+    <pc:docChg chg="undo redo custSel addSld delSld modSld sldOrd delMainMaster modMainMaster">
+      <pc:chgData name="Uwe Ricken" userId="f02567aecbed924b" providerId="LiveId" clId="{5FE6A977-828B-4359-92F0-4AA3261FBD7C}" dt="2024-12-24T12:45:42.757" v="4381" actId="255"/>
       <pc:docMkLst>
         <pc:docMk/>
       </pc:docMkLst>
@@ -206,7 +207,7 @@
         </pc:spChg>
       </pc:sldChg>
       <pc:sldChg chg="addSp delSp modSp mod chgLayout">
-        <pc:chgData name="Uwe Ricken" userId="f02567aecbed924b" providerId="LiveId" clId="{5FE6A977-828B-4359-92F0-4AA3261FBD7C}" dt="2024-12-23T14:14:29.621" v="2760"/>
+        <pc:chgData name="Uwe Ricken" userId="f02567aecbed924b" providerId="LiveId" clId="{5FE6A977-828B-4359-92F0-4AA3261FBD7C}" dt="2024-12-24T09:54:25.090" v="3373" actId="255"/>
         <pc:sldMkLst>
           <pc:docMk/>
           <pc:sldMk cId="4067710344" sldId="334"/>
@@ -228,7 +229,7 @@
           </ac:spMkLst>
         </pc:spChg>
         <pc:spChg chg="mod">
-          <ac:chgData name="Uwe Ricken" userId="f02567aecbed924b" providerId="LiveId" clId="{5FE6A977-828B-4359-92F0-4AA3261FBD7C}" dt="2024-11-09T16:27:44.648" v="20" actId="20577"/>
+          <ac:chgData name="Uwe Ricken" userId="f02567aecbed924b" providerId="LiveId" clId="{5FE6A977-828B-4359-92F0-4AA3261FBD7C}" dt="2024-12-24T09:54:25.090" v="3373" actId="255"/>
           <ac:spMkLst>
             <pc:docMk/>
             <pc:sldMk cId="4067710344" sldId="334"/>
@@ -268,13 +269,13 @@
         </pc:spChg>
       </pc:sldChg>
       <pc:sldChg chg="addSp delSp modSp new mod">
-        <pc:chgData name="Uwe Ricken" userId="f02567aecbed924b" providerId="LiveId" clId="{5FE6A977-828B-4359-92F0-4AA3261FBD7C}" dt="2024-12-23T14:14:29.621" v="2760"/>
+        <pc:chgData name="Uwe Ricken" userId="f02567aecbed924b" providerId="LiveId" clId="{5FE6A977-828B-4359-92F0-4AA3261FBD7C}" dt="2024-12-24T09:58:10.564" v="3380" actId="790"/>
         <pc:sldMkLst>
           <pc:docMk/>
           <pc:sldMk cId="1487474911" sldId="336"/>
         </pc:sldMkLst>
         <pc:spChg chg="mod">
-          <ac:chgData name="Uwe Ricken" userId="f02567aecbed924b" providerId="LiveId" clId="{5FE6A977-828B-4359-92F0-4AA3261FBD7C}" dt="2024-12-23T14:14:29.621" v="2760"/>
+          <ac:chgData name="Uwe Ricken" userId="f02567aecbed924b" providerId="LiveId" clId="{5FE6A977-828B-4359-92F0-4AA3261FBD7C}" dt="2024-12-24T09:58:10.564" v="3380" actId="790"/>
           <ac:spMkLst>
             <pc:docMk/>
             <pc:sldMk cId="1487474911" sldId="336"/>
@@ -282,7 +283,7 @@
           </ac:spMkLst>
         </pc:spChg>
         <pc:spChg chg="mod">
-          <ac:chgData name="Uwe Ricken" userId="f02567aecbed924b" providerId="LiveId" clId="{5FE6A977-828B-4359-92F0-4AA3261FBD7C}" dt="2024-12-23T14:14:29.621" v="2760"/>
+          <ac:chgData name="Uwe Ricken" userId="f02567aecbed924b" providerId="LiveId" clId="{5FE6A977-828B-4359-92F0-4AA3261FBD7C}" dt="2024-12-24T09:58:10.564" v="3380" actId="790"/>
           <ac:spMkLst>
             <pc:docMk/>
             <pc:sldMk cId="1487474911" sldId="336"/>
@@ -299,7 +300,7 @@
         </pc:picChg>
       </pc:sldChg>
       <pc:sldChg chg="addSp delSp modSp new mod modClrScheme chgLayout">
-        <pc:chgData name="Uwe Ricken" userId="f02567aecbed924b" providerId="LiveId" clId="{5FE6A977-828B-4359-92F0-4AA3261FBD7C}" dt="2024-12-23T14:14:29.621" v="2760"/>
+        <pc:chgData name="Uwe Ricken" userId="f02567aecbed924b" providerId="LiveId" clId="{5FE6A977-828B-4359-92F0-4AA3261FBD7C}" dt="2024-12-24T09:58:43.924" v="3389"/>
         <pc:sldMkLst>
           <pc:docMk/>
           <pc:sldMk cId="793187785" sldId="337"/>
@@ -313,7 +314,7 @@
           </ac:spMkLst>
         </pc:spChg>
         <pc:spChg chg="add mod ord">
-          <ac:chgData name="Uwe Ricken" userId="f02567aecbed924b" providerId="LiveId" clId="{5FE6A977-828B-4359-92F0-4AA3261FBD7C}" dt="2024-12-23T14:14:29.621" v="2760"/>
+          <ac:chgData name="Uwe Ricken" userId="f02567aecbed924b" providerId="LiveId" clId="{5FE6A977-828B-4359-92F0-4AA3261FBD7C}" dt="2024-12-24T09:58:43.924" v="3389"/>
           <ac:spMkLst>
             <pc:docMk/>
             <pc:sldMk cId="793187785" sldId="337"/>
@@ -322,13 +323,13 @@
         </pc:spChg>
       </pc:sldChg>
       <pc:sldChg chg="modSp new mod">
-        <pc:chgData name="Uwe Ricken" userId="f02567aecbed924b" providerId="LiveId" clId="{5FE6A977-828B-4359-92F0-4AA3261FBD7C}" dt="2024-12-23T14:14:29.621" v="2760"/>
+        <pc:chgData name="Uwe Ricken" userId="f02567aecbed924b" providerId="LiveId" clId="{5FE6A977-828B-4359-92F0-4AA3261FBD7C}" dt="2024-12-24T09:59:04.861" v="3403" actId="20577"/>
         <pc:sldMkLst>
           <pc:docMk/>
           <pc:sldMk cId="769944752" sldId="338"/>
         </pc:sldMkLst>
         <pc:spChg chg="mod">
-          <ac:chgData name="Uwe Ricken" userId="f02567aecbed924b" providerId="LiveId" clId="{5FE6A977-828B-4359-92F0-4AA3261FBD7C}" dt="2024-12-23T14:14:29.621" v="2760"/>
+          <ac:chgData name="Uwe Ricken" userId="f02567aecbed924b" providerId="LiveId" clId="{5FE6A977-828B-4359-92F0-4AA3261FBD7C}" dt="2024-12-24T09:58:53.820" v="3390"/>
           <ac:spMkLst>
             <pc:docMk/>
             <pc:sldMk cId="769944752" sldId="338"/>
@@ -336,7 +337,7 @@
           </ac:spMkLst>
         </pc:spChg>
         <pc:spChg chg="mod">
-          <ac:chgData name="Uwe Ricken" userId="f02567aecbed924b" providerId="LiveId" clId="{5FE6A977-828B-4359-92F0-4AA3261FBD7C}" dt="2024-12-23T14:14:29.621" v="2760"/>
+          <ac:chgData name="Uwe Ricken" userId="f02567aecbed924b" providerId="LiveId" clId="{5FE6A977-828B-4359-92F0-4AA3261FBD7C}" dt="2024-12-24T09:59:04.861" v="3403" actId="20577"/>
           <ac:spMkLst>
             <pc:docMk/>
             <pc:sldMk cId="769944752" sldId="338"/>
@@ -523,13 +524,13 @@
         </pc:picChg>
       </pc:sldChg>
       <pc:sldChg chg="addSp delSp modSp new mod modClrScheme chgLayout">
-        <pc:chgData name="Uwe Ricken" userId="f02567aecbed924b" providerId="LiveId" clId="{5FE6A977-828B-4359-92F0-4AA3261FBD7C}" dt="2024-12-23T15:21:55.286" v="2891" actId="20577"/>
+        <pc:chgData name="Uwe Ricken" userId="f02567aecbed924b" providerId="LiveId" clId="{5FE6A977-828B-4359-92F0-4AA3261FBD7C}" dt="2024-12-24T10:29:14.953" v="3413" actId="790"/>
         <pc:sldMkLst>
           <pc:docMk/>
           <pc:sldMk cId="3652038028" sldId="345"/>
         </pc:sldMkLst>
         <pc:spChg chg="add mod ord">
-          <ac:chgData name="Uwe Ricken" userId="f02567aecbed924b" providerId="LiveId" clId="{5FE6A977-828B-4359-92F0-4AA3261FBD7C}" dt="2024-12-23T14:14:29.621" v="2760"/>
+          <ac:chgData name="Uwe Ricken" userId="f02567aecbed924b" providerId="LiveId" clId="{5FE6A977-828B-4359-92F0-4AA3261FBD7C}" dt="2024-12-24T10:29:14.953" v="3413" actId="790"/>
           <ac:spMkLst>
             <pc:docMk/>
             <pc:sldMk cId="3652038028" sldId="345"/>
@@ -537,7 +538,7 @@
           </ac:spMkLst>
         </pc:spChg>
         <pc:spChg chg="add mod ord">
-          <ac:chgData name="Uwe Ricken" userId="f02567aecbed924b" providerId="LiveId" clId="{5FE6A977-828B-4359-92F0-4AA3261FBD7C}" dt="2024-12-23T15:21:55.286" v="2891" actId="20577"/>
+          <ac:chgData name="Uwe Ricken" userId="f02567aecbed924b" providerId="LiveId" clId="{5FE6A977-828B-4359-92F0-4AA3261FBD7C}" dt="2024-12-24T10:29:14.953" v="3413" actId="790"/>
           <ac:spMkLst>
             <pc:docMk/>
             <pc:sldMk cId="3652038028" sldId="345"/>
@@ -546,7 +547,7 @@
         </pc:spChg>
       </pc:sldChg>
       <pc:sldChg chg="modSp new mod">
-        <pc:chgData name="Uwe Ricken" userId="f02567aecbed924b" providerId="LiveId" clId="{5FE6A977-828B-4359-92F0-4AA3261FBD7C}" dt="2024-12-23T16:16:13.200" v="3342" actId="20577"/>
+        <pc:chgData name="Uwe Ricken" userId="f02567aecbed924b" providerId="LiveId" clId="{5FE6A977-828B-4359-92F0-4AA3261FBD7C}" dt="2024-12-24T10:30:41.656" v="3425" actId="20577"/>
         <pc:sldMkLst>
           <pc:docMk/>
           <pc:sldMk cId="1275382174" sldId="346"/>
@@ -560,7 +561,7 @@
           </ac:spMkLst>
         </pc:spChg>
         <pc:spChg chg="mod">
-          <ac:chgData name="Uwe Ricken" userId="f02567aecbed924b" providerId="LiveId" clId="{5FE6A977-828B-4359-92F0-4AA3261FBD7C}" dt="2024-12-23T16:15:30.867" v="3295" actId="113"/>
+          <ac:chgData name="Uwe Ricken" userId="f02567aecbed924b" providerId="LiveId" clId="{5FE6A977-828B-4359-92F0-4AA3261FBD7C}" dt="2024-12-24T10:30:41.656" v="3425" actId="20577"/>
           <ac:spMkLst>
             <pc:docMk/>
             <pc:sldMk cId="1275382174" sldId="346"/>
@@ -569,7 +570,7 @@
         </pc:spChg>
       </pc:sldChg>
       <pc:sldChg chg="modSp new mod">
-        <pc:chgData name="Uwe Ricken" userId="f02567aecbed924b" providerId="LiveId" clId="{5FE6A977-828B-4359-92F0-4AA3261FBD7C}" dt="2024-12-23T16:16:23.824" v="3358" actId="20577"/>
+        <pc:chgData name="Uwe Ricken" userId="f02567aecbed924b" providerId="LiveId" clId="{5FE6A977-828B-4359-92F0-4AA3261FBD7C}" dt="2024-12-24T10:32:47.158" v="3431" actId="113"/>
         <pc:sldMkLst>
           <pc:docMk/>
           <pc:sldMk cId="2156939699" sldId="347"/>
@@ -583,7 +584,7 @@
           </ac:spMkLst>
         </pc:spChg>
         <pc:spChg chg="mod">
-          <ac:chgData name="Uwe Ricken" userId="f02567aecbed924b" providerId="LiveId" clId="{5FE6A977-828B-4359-92F0-4AA3261FBD7C}" dt="2024-12-23T16:15:42.724" v="3297" actId="113"/>
+          <ac:chgData name="Uwe Ricken" userId="f02567aecbed924b" providerId="LiveId" clId="{5FE6A977-828B-4359-92F0-4AA3261FBD7C}" dt="2024-12-24T10:32:47.158" v="3431" actId="113"/>
           <ac:spMkLst>
             <pc:docMk/>
             <pc:sldMk cId="2156939699" sldId="347"/>
@@ -591,8 +592,8 @@
           </ac:spMkLst>
         </pc:spChg>
       </pc:sldChg>
-      <pc:sldChg chg="addSp modSp new mod">
-        <pc:chgData name="Uwe Ricken" userId="f02567aecbed924b" providerId="LiveId" clId="{5FE6A977-828B-4359-92F0-4AA3261FBD7C}" dt="2024-12-23T14:14:29.621" v="2760"/>
+      <pc:sldChg chg="addSp modSp new del mod">
+        <pc:chgData name="Uwe Ricken" userId="f02567aecbed924b" providerId="LiveId" clId="{5FE6A977-828B-4359-92F0-4AA3261FBD7C}" dt="2024-12-24T11:31:27.964" v="3437" actId="2696"/>
         <pc:sldMkLst>
           <pc:docMk/>
           <pc:sldMk cId="2064444204" sldId="348"/>
@@ -613,17 +614,9 @@
             <ac:spMk id="3" creationId="{B6CE4927-DE5C-8AA8-2BE1-6744CA19BE1F}"/>
           </ac:spMkLst>
         </pc:spChg>
-        <pc:picChg chg="add">
-          <ac:chgData name="Uwe Ricken" userId="f02567aecbed924b" providerId="LiveId" clId="{5FE6A977-828B-4359-92F0-4AA3261FBD7C}" dt="2024-11-11T16:19:50.760" v="2028" actId="22"/>
-          <ac:picMkLst>
-            <pc:docMk/>
-            <pc:sldMk cId="2064444204" sldId="348"/>
-            <ac:picMk id="5" creationId="{07EC223D-AA95-3117-6826-7A352619B067}"/>
-          </ac:picMkLst>
-        </pc:picChg>
       </pc:sldChg>
       <pc:sldChg chg="addSp delSp modSp new mod modClrScheme chgLayout">
-        <pc:chgData name="Uwe Ricken" userId="f02567aecbed924b" providerId="LiveId" clId="{5FE6A977-828B-4359-92F0-4AA3261FBD7C}" dt="2024-12-23T14:14:29.621" v="2760"/>
+        <pc:chgData name="Uwe Ricken" userId="f02567aecbed924b" providerId="LiveId" clId="{5FE6A977-828B-4359-92F0-4AA3261FBD7C}" dt="2024-12-24T09:56:36.218" v="3378" actId="1076"/>
         <pc:sldMkLst>
           <pc:docMk/>
           <pc:sldMk cId="3550364278" sldId="349"/>
@@ -644,17 +637,33 @@
             <ac:spMk id="3" creationId="{1CC3EFE6-35B9-9AA1-35A3-B1D8A4A7FE9F}"/>
           </ac:spMkLst>
         </pc:spChg>
-        <pc:picChg chg="add mod ord">
-          <ac:chgData name="Uwe Ricken" userId="f02567aecbed924b" providerId="LiveId" clId="{5FE6A977-828B-4359-92F0-4AA3261FBD7C}" dt="2024-12-10T05:31:08.697" v="2208" actId="1076"/>
+        <pc:spChg chg="add del mod">
+          <ac:chgData name="Uwe Ricken" userId="f02567aecbed924b" providerId="LiveId" clId="{5FE6A977-828B-4359-92F0-4AA3261FBD7C}" dt="2024-12-24T09:56:14.300" v="3375" actId="22"/>
+          <ac:spMkLst>
+            <pc:docMk/>
+            <pc:sldMk cId="3550364278" sldId="349"/>
+            <ac:spMk id="5" creationId="{99C2A9A0-EEF4-92E6-1B9C-721500F06899}"/>
+          </ac:spMkLst>
+        </pc:spChg>
+        <pc:picChg chg="add del mod ord">
+          <ac:chgData name="Uwe Ricken" userId="f02567aecbed924b" providerId="LiveId" clId="{5FE6A977-828B-4359-92F0-4AA3261FBD7C}" dt="2024-12-24T09:56:11.194" v="3374" actId="478"/>
           <ac:picMkLst>
             <pc:docMk/>
             <pc:sldMk cId="3550364278" sldId="349"/>
             <ac:picMk id="6" creationId="{9ECD77DE-80D1-4DC4-6DEB-FD6887C451D0}"/>
           </ac:picMkLst>
         </pc:picChg>
+        <pc:picChg chg="add mod ord">
+          <ac:chgData name="Uwe Ricken" userId="f02567aecbed924b" providerId="LiveId" clId="{5FE6A977-828B-4359-92F0-4AA3261FBD7C}" dt="2024-12-24T09:56:36.218" v="3378" actId="1076"/>
+          <ac:picMkLst>
+            <pc:docMk/>
+            <pc:sldMk cId="3550364278" sldId="349"/>
+            <ac:picMk id="8" creationId="{378889DE-0DDC-47E4-974D-4E0D15FF1B50}"/>
+          </ac:picMkLst>
+        </pc:picChg>
       </pc:sldChg>
-      <pc:sldChg chg="modSp mod">
-        <pc:chgData name="Uwe Ricken" userId="f02567aecbed924b" providerId="LiveId" clId="{5FE6A977-828B-4359-92F0-4AA3261FBD7C}" dt="2024-12-23T16:14:37.603" v="3293" actId="20577"/>
+      <pc:sldChg chg="addSp delSp modSp mod">
+        <pc:chgData name="Uwe Ricken" userId="f02567aecbed924b" providerId="LiveId" clId="{5FE6A977-828B-4359-92F0-4AA3261FBD7C}" dt="2024-12-24T10:11:25.721" v="3412" actId="20577"/>
         <pc:sldMkLst>
           <pc:docMk/>
           <pc:sldMk cId="1311573841" sldId="350"/>
@@ -668,13 +677,37 @@
           </ac:spMkLst>
         </pc:spChg>
         <pc:spChg chg="mod">
-          <ac:chgData name="Uwe Ricken" userId="f02567aecbed924b" providerId="LiveId" clId="{5FE6A977-828B-4359-92F0-4AA3261FBD7C}" dt="2024-12-23T16:14:37.603" v="3293" actId="20577"/>
+          <ac:chgData name="Uwe Ricken" userId="f02567aecbed924b" providerId="LiveId" clId="{5FE6A977-828B-4359-92F0-4AA3261FBD7C}" dt="2024-12-24T10:11:25.721" v="3412" actId="20577"/>
           <ac:spMkLst>
             <pc:docMk/>
             <pc:sldMk cId="1311573841" sldId="350"/>
             <ac:spMk id="3" creationId="{53DA8CB9-CD42-3195-691F-49C817CF1EC5}"/>
           </ac:spMkLst>
         </pc:spChg>
+        <pc:spChg chg="add del mod">
+          <ac:chgData name="Uwe Ricken" userId="f02567aecbed924b" providerId="LiveId" clId="{5FE6A977-828B-4359-92F0-4AA3261FBD7C}" dt="2024-12-24T10:10:35.744" v="3405"/>
+          <ac:spMkLst>
+            <pc:docMk/>
+            <pc:sldMk cId="1311573841" sldId="350"/>
+            <ac:spMk id="5" creationId="{F3A46862-0DE1-B7B4-4D2A-C25D143E7D4D}"/>
+          </ac:spMkLst>
+        </pc:spChg>
+        <pc:picChg chg="del">
+          <ac:chgData name="Uwe Ricken" userId="f02567aecbed924b" providerId="LiveId" clId="{5FE6A977-828B-4359-92F0-4AA3261FBD7C}" dt="2024-12-24T10:10:31.346" v="3404" actId="478"/>
+          <ac:picMkLst>
+            <pc:docMk/>
+            <pc:sldMk cId="1311573841" sldId="350"/>
+            <ac:picMk id="6" creationId="{A7C91A29-6E9D-CBB3-931A-EC747D98F213}"/>
+          </ac:picMkLst>
+        </pc:picChg>
+        <pc:picChg chg="add mod">
+          <ac:chgData name="Uwe Ricken" userId="f02567aecbed924b" providerId="LiveId" clId="{5FE6A977-828B-4359-92F0-4AA3261FBD7C}" dt="2024-12-24T10:10:35.744" v="3405"/>
+          <ac:picMkLst>
+            <pc:docMk/>
+            <pc:sldMk cId="1311573841" sldId="350"/>
+            <ac:picMk id="7" creationId="{26AA90EF-3BD3-52CD-3AB6-ABD5A1E9F78A}"/>
+          </ac:picMkLst>
+        </pc:picChg>
       </pc:sldChg>
       <pc:sldChg chg="modSp add del mod">
         <pc:chgData name="Uwe Ricken" userId="f02567aecbed924b" providerId="LiveId" clId="{5FE6A977-828B-4359-92F0-4AA3261FBD7C}" dt="2024-12-23T14:16:04.643" v="2767" actId="2696"/>
@@ -700,13 +733,13 @@
         </pc:spChg>
       </pc:sldChg>
       <pc:sldChg chg="addSp delSp modSp new mod modClrScheme chgLayout">
-        <pc:chgData name="Uwe Ricken" userId="f02567aecbed924b" providerId="LiveId" clId="{5FE6A977-828B-4359-92F0-4AA3261FBD7C}" dt="2024-12-23T16:16:40.494" v="3369" actId="700"/>
+        <pc:chgData name="Uwe Ricken" userId="f02567aecbed924b" providerId="LiveId" clId="{5FE6A977-828B-4359-92F0-4AA3261FBD7C}" dt="2024-12-24T12:22:34.724" v="4033" actId="20577"/>
         <pc:sldMkLst>
           <pc:docMk/>
           <pc:sldMk cId="1743379650" sldId="351"/>
         </pc:sldMkLst>
         <pc:spChg chg="mod ord">
-          <ac:chgData name="Uwe Ricken" userId="f02567aecbed924b" providerId="LiveId" clId="{5FE6A977-828B-4359-92F0-4AA3261FBD7C}" dt="2024-12-23T16:16:40.494" v="3369" actId="700"/>
+          <ac:chgData name="Uwe Ricken" userId="f02567aecbed924b" providerId="LiveId" clId="{5FE6A977-828B-4359-92F0-4AA3261FBD7C}" dt="2024-12-24T11:32:18.383" v="3446" actId="20577"/>
           <ac:spMkLst>
             <pc:docMk/>
             <pc:sldMk cId="1743379650" sldId="351"/>
@@ -722,21 +755,83 @@
           </ac:spMkLst>
         </pc:spChg>
         <pc:spChg chg="add mod ord">
-          <ac:chgData name="Uwe Ricken" userId="f02567aecbed924b" providerId="LiveId" clId="{5FE6A977-828B-4359-92F0-4AA3261FBD7C}" dt="2024-12-23T16:16:40.494" v="3369" actId="700"/>
+          <ac:chgData name="Uwe Ricken" userId="f02567aecbed924b" providerId="LiveId" clId="{5FE6A977-828B-4359-92F0-4AA3261FBD7C}" dt="2024-12-24T12:22:34.724" v="4033" actId="20577"/>
           <ac:spMkLst>
             <pc:docMk/>
             <pc:sldMk cId="1743379650" sldId="351"/>
             <ac:spMk id="4" creationId="{35A56122-B5DB-9476-584C-79DB6AD81415}"/>
           </ac:spMkLst>
         </pc:spChg>
-        <pc:spChg chg="add mod ord">
-          <ac:chgData name="Uwe Ricken" userId="f02567aecbed924b" providerId="LiveId" clId="{5FE6A977-828B-4359-92F0-4AA3261FBD7C}" dt="2024-12-23T16:16:40.494" v="3369" actId="700"/>
+        <pc:spChg chg="add del mod ord">
+          <ac:chgData name="Uwe Ricken" userId="f02567aecbed924b" providerId="LiveId" clId="{5FE6A977-828B-4359-92F0-4AA3261FBD7C}" dt="2024-12-24T11:31:51.678" v="3438" actId="700"/>
           <ac:spMkLst>
             <pc:docMk/>
             <pc:sldMk cId="1743379650" sldId="351"/>
             <ac:spMk id="5" creationId="{3EBA91E6-05E1-DE6A-0D06-E15AB8141FCC}"/>
           </ac:spMkLst>
         </pc:spChg>
+      </pc:sldChg>
+      <pc:sldChg chg="modSp add mod ord">
+        <pc:chgData name="Uwe Ricken" userId="f02567aecbed924b" providerId="LiveId" clId="{5FE6A977-828B-4359-92F0-4AA3261FBD7C}" dt="2024-12-24T12:34:23.241" v="4087" actId="20577"/>
+        <pc:sldMkLst>
+          <pc:docMk/>
+          <pc:sldMk cId="3524899176" sldId="352"/>
+        </pc:sldMkLst>
+        <pc:spChg chg="mod">
+          <ac:chgData name="Uwe Ricken" userId="f02567aecbed924b" providerId="LiveId" clId="{5FE6A977-828B-4359-92F0-4AA3261FBD7C}" dt="2024-12-24T12:34:03.145" v="4037" actId="20577"/>
+          <ac:spMkLst>
+            <pc:docMk/>
+            <pc:sldMk cId="3524899176" sldId="352"/>
+            <ac:spMk id="4" creationId="{28083150-40FB-524A-F247-00472CCAB81C}"/>
+          </ac:spMkLst>
+        </pc:spChg>
+        <pc:spChg chg="mod">
+          <ac:chgData name="Uwe Ricken" userId="f02567aecbed924b" providerId="LiveId" clId="{5FE6A977-828B-4359-92F0-4AA3261FBD7C}" dt="2024-12-24T12:34:23.241" v="4087" actId="20577"/>
+          <ac:spMkLst>
+            <pc:docMk/>
+            <pc:sldMk cId="3524899176" sldId="352"/>
+            <ac:spMk id="5" creationId="{9FA89152-22B6-0091-65D6-3FD4590C94DC}"/>
+          </ac:spMkLst>
+        </pc:spChg>
+      </pc:sldChg>
+      <pc:sldChg chg="addSp delSp modSp add mod ord modClrScheme chgLayout">
+        <pc:chgData name="Uwe Ricken" userId="f02567aecbed924b" providerId="LiveId" clId="{5FE6A977-828B-4359-92F0-4AA3261FBD7C}" dt="2024-12-24T12:45:42.757" v="4381" actId="255"/>
+        <pc:sldMkLst>
+          <pc:docMk/>
+          <pc:sldMk cId="4257262995" sldId="353"/>
+        </pc:sldMkLst>
+        <pc:spChg chg="mod ord">
+          <ac:chgData name="Uwe Ricken" userId="f02567aecbed924b" providerId="LiveId" clId="{5FE6A977-828B-4359-92F0-4AA3261FBD7C}" dt="2024-12-24T12:41:31.993" v="4098" actId="700"/>
+          <ac:spMkLst>
+            <pc:docMk/>
+            <pc:sldMk cId="4257262995" sldId="353"/>
+            <ac:spMk id="2" creationId="{64FFAB14-CB47-012B-4CEC-5F357B3DC49A}"/>
+          </ac:spMkLst>
+        </pc:spChg>
+        <pc:spChg chg="mod ord">
+          <ac:chgData name="Uwe Ricken" userId="f02567aecbed924b" providerId="LiveId" clId="{5FE6A977-828B-4359-92F0-4AA3261FBD7C}" dt="2024-12-24T12:45:42.757" v="4381" actId="255"/>
+          <ac:spMkLst>
+            <pc:docMk/>
+            <pc:sldMk cId="4257262995" sldId="353"/>
+            <ac:spMk id="3" creationId="{11457BA8-2A88-3CC3-2BE1-F8EB62F45485}"/>
+          </ac:spMkLst>
+        </pc:spChg>
+        <pc:spChg chg="add del mod ord">
+          <ac:chgData name="Uwe Ricken" userId="f02567aecbed924b" providerId="LiveId" clId="{5FE6A977-828B-4359-92F0-4AA3261FBD7C}" dt="2024-12-24T12:41:48.485" v="4101" actId="931"/>
+          <ac:spMkLst>
+            <pc:docMk/>
+            <pc:sldMk cId="4257262995" sldId="353"/>
+            <ac:spMk id="4" creationId="{25EE5356-2FBF-1990-6356-5FB16AAEBD91}"/>
+          </ac:spMkLst>
+        </pc:spChg>
+        <pc:picChg chg="add mod">
+          <ac:chgData name="Uwe Ricken" userId="f02567aecbed924b" providerId="LiveId" clId="{5FE6A977-828B-4359-92F0-4AA3261FBD7C}" dt="2024-12-24T12:41:48.485" v="4101" actId="931"/>
+          <ac:picMkLst>
+            <pc:docMk/>
+            <pc:sldMk cId="4257262995" sldId="353"/>
+            <ac:picMk id="6" creationId="{85B35874-04DB-9823-9669-87D39EEEFB19}"/>
+          </ac:picMkLst>
+        </pc:picChg>
       </pc:sldChg>
       <pc:sldMasterChg chg="modSp del mod modSldLayout">
         <pc:chgData name="Uwe Ricken" userId="f02567aecbed924b" providerId="LiveId" clId="{5FE6A977-828B-4359-92F0-4AA3261FBD7C}" dt="2024-12-23T14:13:54.792" v="2758" actId="2696"/>
@@ -792,6 +887,21 @@
           <pc:sldMasterMk cId="648505629" sldId="2147483667"/>
         </pc:sldMasterMkLst>
       </pc:sldMasterChg>
+      <pc:sldMasterChg chg="modSp mod">
+        <pc:chgData name="Uwe Ricken" userId="f02567aecbed924b" providerId="LiveId" clId="{5FE6A977-828B-4359-92F0-4AA3261FBD7C}" dt="2024-12-24T09:57:09.331" v="3379" actId="20577"/>
+        <pc:sldMasterMkLst>
+          <pc:docMk/>
+          <pc:sldMasterMk cId="162783743" sldId="2147483674"/>
+        </pc:sldMasterMkLst>
+        <pc:spChg chg="mod">
+          <ac:chgData name="Uwe Ricken" userId="f02567aecbed924b" providerId="LiveId" clId="{5FE6A977-828B-4359-92F0-4AA3261FBD7C}" dt="2024-12-24T09:57:09.331" v="3379" actId="20577"/>
+          <ac:spMkLst>
+            <pc:docMk/>
+            <pc:sldMasterMk cId="162783743" sldId="2147483674"/>
+            <ac:spMk id="8" creationId="{00000000-0000-0000-0000-000000000000}"/>
+          </ac:spMkLst>
+        </pc:spChg>
+      </pc:sldMasterChg>
     </pc:docChg>
   </pc:docChgLst>
 </pc:chgInfo>
@@ -879,7 +989,7 @@
           <a:p>
             <a:fld id="{54B63C78-F46A-42B2-BCDE-B4D920D39058}" type="datetimeFigureOut">
               <a:rPr lang="de-DE" smtClean="0"/>
-              <a:t>23.12.2024</a:t>
+              <a:t>24.12.2024</a:t>
             </a:fld>
             <a:endParaRPr lang="de-DE"/>
           </a:p>
@@ -2648,7 +2758,7 @@
             </a:r>
             <a:r>
               <a:rPr lang="en-US" sz="1200" b="1" baseline="0" noProof="0" dirty="0"/>
-              <a:t> Berater GmbH (2024)</a:t>
+              <a:t> Berater GmbH (2025)</a:t>
             </a:r>
             <a:endParaRPr lang="en-US" sz="1200" b="1" noProof="0" dirty="0"/>
           </a:p>
@@ -3101,7 +3211,7 @@
         <p:spPr>
           <a:xfrm>
             <a:off x="337072" y="4389107"/>
-            <a:ext cx="11325835" cy="584775"/>
+            <a:ext cx="11325835" cy="369332"/>
           </a:xfrm>
           <a:prstGeom prst="rect">
             <a:avLst/>
@@ -3116,24 +3226,16 @@
           <a:p>
             <a:pPr algn="ctr"/>
             <a:r>
-              <a:rPr lang="de-DE" sz="3200" b="1" dirty="0">
+              <a:rPr lang="de-DE" b="1" dirty="0">
                 <a:solidFill>
                   <a:srgbClr val="165364"/>
                 </a:solidFill>
                 <a:latin typeface="verdana" panose="020B0604030504040204" pitchFamily="34" charset="0"/>
+                <a:hlinkClick r:id="rId3"/>
               </a:rPr>
-              <a:t>No link </a:t>
-            </a:r>
-            <a:r>
-              <a:rPr lang="de-DE" sz="3200" b="1" dirty="0" err="1">
-                <a:solidFill>
-                  <a:srgbClr val="165364"/>
-                </a:solidFill>
-                <a:latin typeface="verdana" panose="020B0604030504040204" pitchFamily="34" charset="0"/>
-              </a:rPr>
-              <a:t>available</a:t>
-            </a:r>
-            <a:endParaRPr lang="de-DE" sz="3200" b="1" dirty="0"/>
+              <a:t>https://github.com/uricken1964/Workshop---Making-Bad-Codes-Better</a:t>
+            </a:r>
+            <a:endParaRPr lang="de-DE" b="1" dirty="0"/>
           </a:p>
         </p:txBody>
       </p:sp>
@@ -4225,13 +4327,13 @@
               <a:rPr lang="en-US" sz="1400" b="1" dirty="0">
                 <a:latin typeface="Lucida Console" panose="020B0609040504020204" pitchFamily="49" charset="0"/>
               </a:rPr>
-              <a:t>01 – demo of Windows Admin </a:t>
+              <a:t>Windows Admin Center </a:t>
             </a:r>
             <a:r>
               <a:rPr lang="en-US" sz="1400" b="1" dirty="0" err="1">
                 <a:latin typeface="Lucida Console" panose="020B0609040504020204" pitchFamily="49" charset="0"/>
               </a:rPr>
-              <a:t>Center.json</a:t>
+              <a:t>Demo.json</a:t>
             </a:r>
             <a:endParaRPr lang="en-US" sz="1400" b="1" dirty="0">
               <a:latin typeface="Lucida Console" panose="020B0609040504020204" pitchFamily="49" charset="0"/>
@@ -4255,10 +4357,10 @@
       </p:sp>
       <p:pic>
         <p:nvPicPr>
-          <p:cNvPr id="6" name="Inhaltsplatzhalter 5">
+          <p:cNvPr id="7" name="Inhaltsplatzhalter 5">
             <a:extLst>
               <a:ext uri="{FF2B5EF4-FFF2-40B4-BE49-F238E27FC236}">
-                <a16:creationId xmlns:a16="http://schemas.microsoft.com/office/drawing/2014/main" id="{A7C91A29-6E9D-CBB3-931A-EC747D98F213}"/>
+                <a16:creationId xmlns:a16="http://schemas.microsoft.com/office/drawing/2014/main" id="{26AA90EF-3BD3-52CD-3AB6-ABD5A1E9F78A}"/>
               </a:ext>
             </a:extLst>
           </p:cNvPr>
@@ -4277,9 +4379,21 @@
         </p:blipFill>
         <p:spPr>
           <a:xfrm>
-            <a:off x="6272211" y="1665288"/>
-            <a:ext cx="5584825" cy="3989938"/>
+            <a:off x="6557214" y="1665288"/>
+            <a:ext cx="5014822" cy="4572000"/>
           </a:xfrm>
+          <a:ln>
+            <a:solidFill>
+              <a:schemeClr val="tx1"/>
+            </a:solidFill>
+          </a:ln>
+          <a:effectLst>
+            <a:outerShdw blurRad="50800" dist="38100" dir="2700000" algn="tl" rotWithShape="0">
+              <a:prstClr val="black">
+                <a:alpha val="40000"/>
+              </a:prstClr>
+            </a:outerShdw>
+          </a:effectLst>
         </p:spPr>
       </p:pic>
     </p:spTree>
@@ -4334,7 +4448,7 @@
           <a:lstStyle/>
           <a:p>
             <a:r>
-              <a:rPr lang="de-DE" dirty="0"/>
+              <a:rPr lang="en-US" dirty="0"/>
               <a:t>Scenario #1</a:t>
             </a:r>
           </a:p>
@@ -4362,34 +4476,9 @@
           <a:lstStyle/>
           <a:p>
             <a:r>
-              <a:rPr lang="de-DE" dirty="0" err="1"/>
-              <a:t>When</a:t>
-            </a:r>
-            <a:r>
-              <a:rPr lang="de-DE" dirty="0"/>
-              <a:t> </a:t>
-            </a:r>
-            <a:r>
-              <a:rPr lang="de-DE" dirty="0" err="1"/>
-              <a:t>functions</a:t>
-            </a:r>
-            <a:r>
-              <a:rPr lang="de-DE" dirty="0"/>
-              <a:t> </a:t>
-            </a:r>
-            <a:r>
-              <a:rPr lang="de-DE" dirty="0" err="1"/>
-              <a:t>don‘t</a:t>
-            </a:r>
-            <a:r>
-              <a:rPr lang="de-DE" dirty="0"/>
-              <a:t> </a:t>
-            </a:r>
-            <a:r>
-              <a:rPr lang="de-DE" dirty="0" err="1"/>
-              <a:t>function</a:t>
-            </a:r>
-            <a:endParaRPr lang="de-DE" dirty="0"/>
+              <a:rPr lang="en-US" dirty="0"/>
+              <a:t>When functions don‘t function</a:t>
+            </a:r>
           </a:p>
         </p:txBody>
       </p:sp>
@@ -4481,7 +4570,7 @@
             <a:pPr lvl="1"/>
             <a:r>
               <a:rPr lang="en-US" dirty="0"/>
-              <a:t>A job engine produces 24/7 for ~16.000.000 customers on a daily basis a class type calculation. Due to the fact that lots of customers must be recalculated every day, the job engine is working with 20 simultaneous processes.</a:t>
+              <a:t>A job engine produces 24/7 for ~16.000.000 customers on a daily basis a class type calculation. Since lots of customers must be recalculated every day, the job engine is working with 20 simultaneous processes.</a:t>
             </a:r>
           </a:p>
           <a:p>
@@ -4602,23 +4691,39 @@
             <a:pPr lvl="1"/>
             <a:r>
               <a:rPr lang="en-US" dirty="0"/>
-              <a:t>To demonstrate the problem, two tables ([</a:t>
-            </a:r>
-            <a:r>
-              <a:rPr lang="en-US" dirty="0" err="1"/>
+              <a:t>To demonstrate the problem, two tables (</a:t>
+            </a:r>
+            <a:r>
+              <a:rPr lang="en-US" b="1" dirty="0"/>
+              <a:t>[</a:t>
+            </a:r>
+            <a:r>
+              <a:rPr lang="en-US" b="1" dirty="0" err="1"/>
               <a:t>dbo</a:t>
             </a:r>
             <a:r>
-              <a:rPr lang="en-US" dirty="0"/>
-              <a:t>].[customers] and [</a:t>
-            </a:r>
-            <a:r>
-              <a:rPr lang="en-US" dirty="0" err="1"/>
+              <a:rPr lang="en-US" b="1" dirty="0"/>
+              <a:t>].[customers] </a:t>
+            </a:r>
+            <a:r>
+              <a:rPr lang="en-US" dirty="0"/>
+              <a:t>and </a:t>
+            </a:r>
+            <a:r>
+              <a:rPr lang="en-US" b="1" dirty="0"/>
+              <a:t>[</a:t>
+            </a:r>
+            <a:r>
+              <a:rPr lang="en-US" b="1" dirty="0" err="1"/>
               <a:t>dbo</a:t>
             </a:r>
             <a:r>
-              <a:rPr lang="en-US" dirty="0"/>
-              <a:t>].[orders]) are used.</a:t>
+              <a:rPr lang="en-US" b="1" dirty="0"/>
+              <a:t>].[orders]</a:t>
+            </a:r>
+            <a:r>
+              <a:rPr lang="en-US" dirty="0"/>
+              <a:t>) are used.</a:t>
             </a:r>
           </a:p>
           <a:p>
@@ -4687,12 +4792,20 @@
               <a:t>It analyze the orders for a customer (identified by customer number (</a:t>
             </a:r>
             <a:r>
-              <a:rPr lang="en-US" dirty="0" err="1"/>
+              <a:rPr lang="en-US" b="1" dirty="0"/>
+              <a:t>[</a:t>
+            </a:r>
+            <a:r>
+              <a:rPr lang="en-US" b="1" dirty="0" err="1"/>
               <a:t>c_custkey</a:t>
             </a:r>
             <a:r>
-              <a:rPr lang="en-US" dirty="0"/>
-              <a:t>)) and categorizes the customer.</a:t>
+              <a:rPr lang="en-US" b="1" dirty="0"/>
+              <a:t>]</a:t>
+            </a:r>
+            <a:r>
+              <a:rPr lang="en-US" dirty="0"/>
+              <a:t>) and categorizes the customer.</a:t>
             </a:r>
           </a:p>
           <a:p>
@@ -4881,7 +4994,7 @@
           <a:p>
             <a:r>
               <a:rPr lang="en-US" dirty="0"/>
-              <a:t>Scenario 1 - Execution </a:t>
+              <a:t>Scenario 1 - Findings </a:t>
             </a:r>
           </a:p>
         </p:txBody>
@@ -4899,7 +5012,7 @@
             <a:spLocks noGrp="1"/>
           </p:cNvSpPr>
           <p:nvPr>
-            <p:ph sz="half" idx="1"/>
+            <p:ph idx="1"/>
           </p:nvPr>
         </p:nvSpPr>
         <p:spPr/>
@@ -4907,32 +5020,84 @@
           <a:bodyPr/>
           <a:lstStyle/>
           <a:p>
-            <a:endParaRPr lang="en-US"/>
-          </a:p>
-        </p:txBody>
-      </p:sp>
-      <p:sp>
-        <p:nvSpPr>
-          <p:cNvPr id="5" name="Inhaltsplatzhalter 4">
-            <a:extLst>
-              <a:ext uri="{FF2B5EF4-FFF2-40B4-BE49-F238E27FC236}">
-                <a16:creationId xmlns:a16="http://schemas.microsoft.com/office/drawing/2014/main" id="{3EBA91E6-05E1-DE6A-0D06-E15AB8141FCC}"/>
-              </a:ext>
-            </a:extLst>
-          </p:cNvPr>
-          <p:cNvSpPr>
-            <a:spLocks noGrp="1"/>
-          </p:cNvSpPr>
-          <p:nvPr>
-            <p:ph sz="half" idx="2"/>
-          </p:nvPr>
-        </p:nvSpPr>
-        <p:spPr/>
-        <p:txBody>
-          <a:bodyPr/>
-          <a:lstStyle/>
-          <a:p>
-            <a:endParaRPr lang="en-US"/>
+            <a:r>
+              <a:rPr lang="en-US" dirty="0"/>
+              <a:t>Avoid multiple manipulations on temporary objects</a:t>
+            </a:r>
+            <a:br>
+              <a:rPr lang="en-US" dirty="0"/>
+            </a:br>
+            <a:r>
+              <a:rPr lang="en-US" dirty="0"/>
+              <a:t>This technique will reduce TEMPDB activity</a:t>
+            </a:r>
+          </a:p>
+          <a:p>
+            <a:r>
+              <a:rPr lang="en-US" dirty="0"/>
+              <a:t>Avoid </a:t>
+            </a:r>
+            <a:r>
+              <a:rPr lang="en-US" dirty="0" err="1"/>
+              <a:t>NONSargable</a:t>
+            </a:r>
+            <a:r>
+              <a:rPr lang="en-US" dirty="0"/>
+              <a:t> expressions and replace them with </a:t>
+            </a:r>
+            <a:r>
+              <a:rPr lang="en-US" dirty="0" err="1"/>
+              <a:t>SARGable</a:t>
+            </a:r>
+            <a:r>
+              <a:rPr lang="en-US" dirty="0"/>
+              <a:t> expressions</a:t>
+            </a:r>
+            <a:br>
+              <a:rPr lang="en-US" dirty="0"/>
+            </a:br>
+            <a:r>
+              <a:rPr lang="en-US" dirty="0" err="1"/>
+              <a:t>NONSargable</a:t>
+            </a:r>
+            <a:r>
+              <a:rPr lang="en-US" dirty="0"/>
+              <a:t> expressions will lead to</a:t>
+            </a:r>
+          </a:p>
+          <a:p>
+            <a:pPr lvl="1"/>
+            <a:r>
+              <a:rPr lang="en-US" dirty="0"/>
+              <a:t>Residual predicates</a:t>
+            </a:r>
+          </a:p>
+          <a:p>
+            <a:pPr lvl="1"/>
+            <a:r>
+              <a:rPr lang="en-US" dirty="0"/>
+              <a:t>FULL scans</a:t>
+            </a:r>
+          </a:p>
+          <a:p>
+            <a:r>
+              <a:rPr lang="en-US" dirty="0"/>
+              <a:t>Avoid to use SCALAR or Multiline functions and try to rewrite them as an</a:t>
+            </a:r>
+            <a:br>
+              <a:rPr lang="en-US" dirty="0"/>
+            </a:br>
+            <a:r>
+              <a:rPr lang="en-US" dirty="0"/>
+              <a:t>Inline-Function.</a:t>
+            </a:r>
+            <a:br>
+              <a:rPr lang="en-US" dirty="0"/>
+            </a:br>
+            <a:r>
+              <a:rPr lang="en-US" dirty="0"/>
+              <a:t>Inline Functions can be interpreted by the compiler as relational operations within the same query (like views – but with parameters!)</a:t>
+            </a:r>
           </a:p>
         </p:txBody>
       </p:sp>
@@ -5412,7 +5577,105 @@
   <p:cSld>
     <p:spTree>
       <p:nvGrpSpPr>
-        <p:cNvPr id="1" name=""/>
+        <p:cNvPr id="1" name="">
+          <a:extLst>
+            <a:ext uri="{FF2B5EF4-FFF2-40B4-BE49-F238E27FC236}">
+              <a16:creationId xmlns:a16="http://schemas.microsoft.com/office/drawing/2014/main" id="{B57087C9-911B-8F39-53A0-EF27393B2D9F}"/>
+            </a:ext>
+          </a:extLst>
+        </p:cNvPr>
+        <p:cNvGrpSpPr/>
+        <p:nvPr/>
+      </p:nvGrpSpPr>
+      <p:grpSpPr>
+        <a:xfrm>
+          <a:off x="0" y="0"/>
+          <a:ext cx="0" cy="0"/>
+          <a:chOff x="0" y="0"/>
+          <a:chExt cx="0" cy="0"/>
+        </a:xfrm>
+      </p:grpSpPr>
+      <p:sp>
+        <p:nvSpPr>
+          <p:cNvPr id="4" name="Titel 3">
+            <a:extLst>
+              <a:ext uri="{FF2B5EF4-FFF2-40B4-BE49-F238E27FC236}">
+                <a16:creationId xmlns:a16="http://schemas.microsoft.com/office/drawing/2014/main" id="{28083150-40FB-524A-F247-00472CCAB81C}"/>
+              </a:ext>
+            </a:extLst>
+          </p:cNvPr>
+          <p:cNvSpPr>
+            <a:spLocks noGrp="1"/>
+          </p:cNvSpPr>
+          <p:nvPr>
+            <p:ph type="ctrTitle"/>
+          </p:nvPr>
+        </p:nvSpPr>
+        <p:spPr/>
+        <p:txBody>
+          <a:bodyPr/>
+          <a:lstStyle/>
+          <a:p>
+            <a:r>
+              <a:rPr lang="en-US" dirty="0"/>
+              <a:t>Scenario #2</a:t>
+            </a:r>
+          </a:p>
+        </p:txBody>
+      </p:sp>
+      <p:sp>
+        <p:nvSpPr>
+          <p:cNvPr id="5" name="Untertitel 4">
+            <a:extLst>
+              <a:ext uri="{FF2B5EF4-FFF2-40B4-BE49-F238E27FC236}">
+                <a16:creationId xmlns:a16="http://schemas.microsoft.com/office/drawing/2014/main" id="{9FA89152-22B6-0091-65D6-3FD4590C94DC}"/>
+              </a:ext>
+            </a:extLst>
+          </p:cNvPr>
+          <p:cNvSpPr>
+            <a:spLocks noGrp="1"/>
+          </p:cNvSpPr>
+          <p:nvPr>
+            <p:ph type="subTitle" idx="1"/>
+          </p:nvPr>
+        </p:nvSpPr>
+        <p:spPr/>
+        <p:txBody>
+          <a:bodyPr/>
+          <a:lstStyle/>
+          <a:p>
+            <a:r>
+              <a:rPr lang="en-US" dirty="0"/>
+              <a:t>Stop using table variables and temporary objects</a:t>
+            </a:r>
+          </a:p>
+        </p:txBody>
+      </p:sp>
+    </p:spTree>
+    <p:extLst>
+      <p:ext uri="{BB962C8B-B14F-4D97-AF65-F5344CB8AC3E}">
+        <p14:creationId xmlns:p14="http://schemas.microsoft.com/office/powerpoint/2010/main" val="3524899176"/>
+      </p:ext>
+    </p:extLst>
+  </p:cSld>
+  <p:clrMapOvr>
+    <a:masterClrMapping/>
+  </p:clrMapOvr>
+</p:sld>
+</file>
+
+<file path=ppt/slides/slide21.xml><?xml version="1.0" encoding="utf-8"?>
+<p:sld xmlns:a="http://schemas.openxmlformats.org/drawingml/2006/main" xmlns:r="http://schemas.openxmlformats.org/officeDocument/2006/relationships" xmlns:p="http://schemas.openxmlformats.org/presentationml/2006/main">
+  <p:cSld>
+    <p:spTree>
+      <p:nvGrpSpPr>
+        <p:cNvPr id="1" name="">
+          <a:extLst>
+            <a:ext uri="{FF2B5EF4-FFF2-40B4-BE49-F238E27FC236}">
+              <a16:creationId xmlns:a16="http://schemas.microsoft.com/office/drawing/2014/main" id="{184B460C-EBAD-15DC-7279-42EBF2B53F2B}"/>
+            </a:ext>
+          </a:extLst>
+        </p:cNvPr>
         <p:cNvGrpSpPr/>
         <p:nvPr/>
       </p:nvGrpSpPr>
@@ -5429,7 +5692,7 @@
           <p:cNvPr id="2" name="Titel 1">
             <a:extLst>
               <a:ext uri="{FF2B5EF4-FFF2-40B4-BE49-F238E27FC236}">
-                <a16:creationId xmlns:a16="http://schemas.microsoft.com/office/drawing/2014/main" id="{5929B96C-0DE2-8F09-00CD-17B4A907B4A6}"/>
+                <a16:creationId xmlns:a16="http://schemas.microsoft.com/office/drawing/2014/main" id="{64FFAB14-CB47-012B-4CEC-5F357B3DC49A}"/>
               </a:ext>
             </a:extLst>
           </p:cNvPr>
@@ -5445,7 +5708,10 @@
           <a:bodyPr/>
           <a:lstStyle/>
           <a:p>
-            <a:endParaRPr lang="de-DE"/>
+            <a:r>
+              <a:rPr lang="de-DE" dirty="0"/>
+              <a:t>Scenario 2 – Problem Description</a:t>
+            </a:r>
           </a:p>
         </p:txBody>
       </p:sp>
@@ -5454,7 +5720,7 @@
           <p:cNvPr id="3" name="Inhaltsplatzhalter 2">
             <a:extLst>
               <a:ext uri="{FF2B5EF4-FFF2-40B4-BE49-F238E27FC236}">
-                <a16:creationId xmlns:a16="http://schemas.microsoft.com/office/drawing/2014/main" id="{B6CE4927-DE5C-8AA8-2BE1-6744CA19BE1F}"/>
+                <a16:creationId xmlns:a16="http://schemas.microsoft.com/office/drawing/2014/main" id="{11457BA8-2A88-3CC3-2BE1-F8EB62F45485}"/>
               </a:ext>
             </a:extLst>
           </p:cNvPr>
@@ -5462,31 +5728,287 @@
             <a:spLocks noGrp="1"/>
           </p:cNvSpPr>
           <p:nvPr>
-            <p:ph idx="1"/>
+            <p:ph sz="half" idx="1"/>
           </p:nvPr>
         </p:nvSpPr>
         <p:spPr/>
         <p:txBody>
-          <a:bodyPr/>
+          <a:bodyPr>
+            <a:normAutofit/>
+          </a:bodyPr>
           <a:lstStyle/>
           <a:p>
-            <a:endParaRPr lang="de-DE"/>
+            <a:r>
+              <a:rPr lang="en-US" b="1" dirty="0"/>
+              <a:t>Description</a:t>
+            </a:r>
+          </a:p>
+          <a:p>
+            <a:pPr lvl="1"/>
+            <a:r>
+              <a:rPr lang="en-US" sz="1600" b="0" i="0" dirty="0">
+                <a:solidFill>
+                  <a:srgbClr val="1F2328"/>
+                </a:solidFill>
+                <a:effectLst/>
+                <a:latin typeface="-apple-system"/>
+              </a:rPr>
+              <a:t>A software uses a table to queue jobs. Whenever a new job is to be started, its details are written to this table. The table grows very quickly, as up to 100,000 jobs can be scheduled in an hour.</a:t>
+            </a:r>
+          </a:p>
+          <a:p>
+            <a:pPr lvl="1"/>
+            <a:r>
+              <a:rPr lang="en-US" sz="1600" b="0" i="0" dirty="0">
+                <a:solidFill>
+                  <a:srgbClr val="1F2328"/>
+                </a:solidFill>
+                <a:effectLst/>
+                <a:latin typeface="-apple-system"/>
+              </a:rPr>
+              <a:t>A stored procedure manage the deletion of executed jobs.</a:t>
+            </a:r>
+          </a:p>
+          <a:p>
+            <a:pPr lvl="1"/>
+            <a:r>
+              <a:rPr lang="en-US" sz="1600" b="0" i="0" dirty="0">
+                <a:solidFill>
+                  <a:srgbClr val="1F2328"/>
+                </a:solidFill>
+                <a:effectLst/>
+                <a:latin typeface="-apple-system"/>
+              </a:rPr>
+              <a:t>The first parameter specifies how many </a:t>
+            </a:r>
+            <a:r>
+              <a:rPr lang="en-US" sz="1600" b="0" i="0" dirty="0" err="1">
+                <a:solidFill>
+                  <a:srgbClr val="1F2328"/>
+                </a:solidFill>
+                <a:effectLst/>
+                <a:latin typeface="-apple-system"/>
+              </a:rPr>
+              <a:t>jobentries</a:t>
+            </a:r>
+            <a:r>
+              <a:rPr lang="en-US" sz="1600" b="0" i="0" dirty="0">
+                <a:solidFill>
+                  <a:srgbClr val="1F2328"/>
+                </a:solidFill>
+                <a:effectLst/>
+                <a:latin typeface="-apple-system"/>
+              </a:rPr>
+              <a:t> should be deleted.</a:t>
+            </a:r>
+          </a:p>
+          <a:p>
+            <a:pPr lvl="1"/>
+            <a:r>
+              <a:rPr lang="en-US" sz="1600" b="0" i="0" dirty="0">
+                <a:solidFill>
+                  <a:srgbClr val="1F2328"/>
+                </a:solidFill>
+                <a:effectLst/>
+                <a:latin typeface="-apple-system"/>
+              </a:rPr>
+              <a:t>The second parameter specifies the batch size.</a:t>
+            </a:r>
+            <a:endParaRPr lang="en-US" sz="1600" b="1" dirty="0"/>
+          </a:p>
+          <a:p>
+            <a:r>
+              <a:rPr lang="en-US" b="1" dirty="0"/>
+              <a:t>Problem</a:t>
+            </a:r>
+          </a:p>
+          <a:p>
+            <a:pPr lvl="1"/>
+            <a:r>
+              <a:rPr lang="de-DE" sz="1600" dirty="0" err="1"/>
+              <a:t>Sometimes</a:t>
+            </a:r>
+            <a:r>
+              <a:rPr lang="de-DE" sz="1600" dirty="0"/>
+              <a:t> </a:t>
+            </a:r>
+            <a:r>
+              <a:rPr lang="de-DE" sz="1600" dirty="0" err="1"/>
+              <a:t>the</a:t>
+            </a:r>
+            <a:r>
+              <a:rPr lang="de-DE" sz="1600" dirty="0"/>
+              <a:t> </a:t>
+            </a:r>
+            <a:r>
+              <a:rPr lang="de-DE" sz="1600" dirty="0" err="1"/>
+              <a:t>table</a:t>
+            </a:r>
+            <a:r>
+              <a:rPr lang="de-DE" sz="1600" dirty="0"/>
+              <a:t> </a:t>
+            </a:r>
+            <a:r>
+              <a:rPr lang="de-DE" sz="1600" dirty="0" err="1"/>
+              <a:t>is</a:t>
+            </a:r>
+            <a:r>
+              <a:rPr lang="de-DE" sz="1600" dirty="0"/>
+              <a:t> </a:t>
+            </a:r>
+            <a:r>
+              <a:rPr lang="de-DE" sz="1600" dirty="0" err="1"/>
+              <a:t>growing</a:t>
+            </a:r>
+            <a:r>
+              <a:rPr lang="de-DE" sz="1600" dirty="0"/>
+              <a:t> </a:t>
+            </a:r>
+            <a:r>
+              <a:rPr lang="de-DE" sz="1600" dirty="0" err="1"/>
+              <a:t>very</a:t>
+            </a:r>
+            <a:r>
+              <a:rPr lang="de-DE" sz="1600" dirty="0"/>
+              <a:t> fast and </a:t>
+            </a:r>
+            <a:r>
+              <a:rPr lang="de-DE" sz="1600" dirty="0" err="1"/>
+              <a:t>the</a:t>
+            </a:r>
+            <a:r>
+              <a:rPr lang="de-DE" sz="1600" dirty="0"/>
+              <a:t> </a:t>
+            </a:r>
+            <a:r>
+              <a:rPr lang="de-DE" sz="1600" dirty="0" err="1"/>
+              <a:t>maintenance</a:t>
+            </a:r>
+            <a:r>
+              <a:rPr lang="de-DE" sz="1600" dirty="0"/>
+              <a:t> </a:t>
+            </a:r>
+            <a:r>
+              <a:rPr lang="de-DE" sz="1600" dirty="0" err="1"/>
+              <a:t>job</a:t>
+            </a:r>
+            <a:r>
+              <a:rPr lang="de-DE" sz="1600" dirty="0"/>
+              <a:t> </a:t>
+            </a:r>
+            <a:r>
+              <a:rPr lang="de-DE" sz="1600" dirty="0" err="1"/>
+              <a:t>cannot</a:t>
+            </a:r>
+            <a:r>
+              <a:rPr lang="de-DE" sz="1600" dirty="0"/>
+              <a:t> </a:t>
+            </a:r>
+            <a:r>
+              <a:rPr lang="de-DE" sz="1600" dirty="0" err="1"/>
+              <a:t>scale</a:t>
+            </a:r>
+            <a:r>
+              <a:rPr lang="de-DE" sz="1600" dirty="0"/>
+              <a:t>.</a:t>
+            </a:r>
+          </a:p>
+          <a:p>
+            <a:pPr lvl="1"/>
+            <a:r>
+              <a:rPr lang="de-DE" sz="1600" dirty="0"/>
+              <a:t>The </a:t>
+            </a:r>
+            <a:r>
+              <a:rPr lang="de-DE" sz="1600" dirty="0" err="1"/>
+              <a:t>table</a:t>
+            </a:r>
+            <a:r>
+              <a:rPr lang="de-DE" sz="1600" dirty="0"/>
+              <a:t> </a:t>
+            </a:r>
+            <a:r>
+              <a:rPr lang="de-DE" sz="1600" dirty="0" err="1"/>
+              <a:t>is</a:t>
+            </a:r>
+            <a:r>
+              <a:rPr lang="de-DE" sz="1600" dirty="0"/>
+              <a:t> </a:t>
+            </a:r>
+            <a:r>
+              <a:rPr lang="de-DE" sz="1600" dirty="0" err="1"/>
+              <a:t>growing</a:t>
+            </a:r>
+            <a:r>
+              <a:rPr lang="de-DE" sz="1600" dirty="0"/>
+              <a:t> </a:t>
+            </a:r>
+            <a:r>
+              <a:rPr lang="de-DE" sz="1600" dirty="0" err="1"/>
+              <a:t>the</a:t>
+            </a:r>
+            <a:r>
+              <a:rPr lang="de-DE" sz="1600" dirty="0"/>
+              <a:t> </a:t>
+            </a:r>
+            <a:r>
+              <a:rPr lang="de-DE" sz="1600" dirty="0" err="1"/>
+              <a:t>system</a:t>
+            </a:r>
+            <a:r>
+              <a:rPr lang="de-DE" sz="1600" dirty="0"/>
+              <a:t> </a:t>
+            </a:r>
+            <a:r>
+              <a:rPr lang="de-DE" sz="1600" dirty="0" err="1"/>
+              <a:t>suffers</a:t>
+            </a:r>
+            <a:r>
+              <a:rPr lang="de-DE" sz="1600" dirty="0"/>
+              <a:t> </a:t>
+            </a:r>
+            <a:r>
+              <a:rPr lang="de-DE" sz="1600" dirty="0" err="1"/>
+              <a:t>from</a:t>
+            </a:r>
+            <a:r>
+              <a:rPr lang="de-DE" sz="1600" dirty="0"/>
+              <a:t> </a:t>
+            </a:r>
+            <a:r>
+              <a:rPr lang="de-DE" sz="1600" dirty="0" err="1"/>
+              <a:t>performance</a:t>
+            </a:r>
+            <a:r>
+              <a:rPr lang="de-DE" sz="1600" dirty="0"/>
+              <a:t> </a:t>
+            </a:r>
+            <a:r>
+              <a:rPr lang="de-DE" sz="1600" dirty="0" err="1"/>
+              <a:t>problems</a:t>
+            </a:r>
+            <a:r>
+              <a:rPr lang="de-DE" sz="1600" dirty="0"/>
+              <a:t>.</a:t>
+            </a:r>
           </a:p>
         </p:txBody>
       </p:sp>
       <p:pic>
         <p:nvPicPr>
-          <p:cNvPr id="5" name="Grafik 4">
+          <p:cNvPr id="6" name="Inhaltsplatzhalter 5">
             <a:extLst>
               <a:ext uri="{FF2B5EF4-FFF2-40B4-BE49-F238E27FC236}">
-                <a16:creationId xmlns:a16="http://schemas.microsoft.com/office/drawing/2014/main" id="{07EC223D-AA95-3117-6826-7A352619B067}"/>
+                <a16:creationId xmlns:a16="http://schemas.microsoft.com/office/drawing/2014/main" id="{85B35874-04DB-9823-9669-87D39EEEFB19}"/>
               </a:ext>
             </a:extLst>
           </p:cNvPr>
           <p:cNvPicPr>
-            <a:picLocks noChangeAspect="1"/>
+            <a:picLocks noGrp="1" noChangeAspect="1"/>
           </p:cNvPicPr>
-          <p:nvPr/>
+          <p:nvPr>
+            <p:ph sz="half" idx="2"/>
+          </p:nvPr>
         </p:nvPicPr>
         <p:blipFill>
           <a:blip r:embed="rId2"/>
@@ -5496,18 +6018,15 @@
         </p:blipFill>
         <p:spPr>
           <a:xfrm>
-            <a:off x="575492" y="1547550"/>
-            <a:ext cx="11041016" cy="3762900"/>
+            <a:off x="6778625" y="1665288"/>
+            <a:ext cx="4572000" cy="4572000"/>
           </a:xfrm>
-          <a:prstGeom prst="rect">
-            <a:avLst/>
-          </a:prstGeom>
         </p:spPr>
       </p:pic>
     </p:spTree>
     <p:extLst>
       <p:ext uri="{BB962C8B-B14F-4D97-AF65-F5344CB8AC3E}">
-        <p14:creationId xmlns:p14="http://schemas.microsoft.com/office/powerpoint/2010/main" val="2064444204"/>
+        <p14:creationId xmlns:p14="http://schemas.microsoft.com/office/powerpoint/2010/main" val="4257262995"/>
       </p:ext>
     </p:extLst>
   </p:cSld>
@@ -6017,10 +6536,10 @@
       </p:sp>
       <p:pic>
         <p:nvPicPr>
-          <p:cNvPr id="6" name="Inhaltsplatzhalter 5">
+          <p:cNvPr id="8" name="Inhaltsplatzhalter 7">
             <a:extLst>
               <a:ext uri="{FF2B5EF4-FFF2-40B4-BE49-F238E27FC236}">
-                <a16:creationId xmlns:a16="http://schemas.microsoft.com/office/drawing/2014/main" id="{9ECD77DE-80D1-4DC4-6DEB-FD6887C451D0}"/>
+                <a16:creationId xmlns:a16="http://schemas.microsoft.com/office/drawing/2014/main" id="{378889DE-0DDC-47E4-974D-4E0D15FF1B50}"/>
               </a:ext>
             </a:extLst>
           </p:cNvPr>
@@ -6039,8 +6558,8 @@
         </p:blipFill>
         <p:spPr>
           <a:xfrm>
-            <a:off x="7668348" y="1665288"/>
-            <a:ext cx="4191772" cy="2925801"/>
+            <a:off x="7833386" y="1794456"/>
+            <a:ext cx="4023650" cy="1337051"/>
           </a:xfrm>
         </p:spPr>
       </p:pic>
@@ -6096,26 +6615,9 @@
           <a:lstStyle/>
           <a:p>
             <a:r>
-              <a:rPr lang="de-DE" dirty="0" err="1"/>
-              <a:t>Make</a:t>
-            </a:r>
-            <a:r>
-              <a:rPr lang="de-DE" dirty="0"/>
-              <a:t> </a:t>
-            </a:r>
-            <a:r>
-              <a:rPr lang="de-DE" dirty="0" err="1"/>
-              <a:t>your</a:t>
-            </a:r>
-            <a:r>
-              <a:rPr lang="de-DE" dirty="0"/>
-              <a:t> SQL Code fast </a:t>
-            </a:r>
-            <a:r>
-              <a:rPr lang="de-DE" dirty="0" err="1"/>
-              <a:t>again</a:t>
-            </a:r>
-            <a:endParaRPr lang="de-DE" dirty="0"/>
+              <a:rPr lang="en-US" dirty="0"/>
+              <a:t>Make your SQL Code fast again</a:t>
+            </a:r>
           </a:p>
         </p:txBody>
       </p:sp>
@@ -6169,14 +6671,9 @@
           <a:p>
             <a:pPr lvl="1"/>
             <a:r>
-              <a:rPr lang="de-DE" b="1" dirty="0"/>
-              <a:t>Resource </a:t>
-            </a:r>
-            <a:r>
-              <a:rPr lang="de-DE" b="1" dirty="0" err="1"/>
-              <a:t>Utilization</a:t>
-            </a:r>
-            <a:endParaRPr lang="de-DE" b="1" dirty="0"/>
+              <a:rPr lang="en-US" b="1" dirty="0"/>
+              <a:t>Resource Utilization</a:t>
+            </a:r>
           </a:p>
           <a:p>
             <a:pPr lvl="2"/>
@@ -6216,18 +6713,9 @@
           <a:p>
             <a:pPr lvl="1"/>
             <a:r>
-              <a:rPr lang="de-DE" b="1" dirty="0" err="1"/>
-              <a:t>Reliability</a:t>
-            </a:r>
-            <a:r>
-              <a:rPr lang="de-DE" b="1" dirty="0"/>
-              <a:t> and </a:t>
-            </a:r>
-            <a:r>
-              <a:rPr lang="de-DE" b="1" dirty="0" err="1"/>
-              <a:t>Stability</a:t>
-            </a:r>
-            <a:endParaRPr lang="en-US" b="1" dirty="0"/>
+              <a:rPr lang="en-US" b="1" dirty="0"/>
+              <a:t>Reliability and Stability</a:t>
+            </a:r>
           </a:p>
           <a:p>
             <a:pPr lvl="2"/>
@@ -6235,7 +6723,6 @@
               <a:rPr lang="en-US" dirty="0"/>
               <a:t>Efficient queries are less likely to cause unexpected issues, such as timeouts or server crashes.</a:t>
             </a:r>
-            <a:endParaRPr lang="de-DE" dirty="0"/>
           </a:p>
         </p:txBody>
       </p:sp>
@@ -6345,26 +6832,9 @@
           <a:lstStyle/>
           <a:p>
             <a:r>
-              <a:rPr lang="de-DE" dirty="0" err="1"/>
-              <a:t>Make</a:t>
-            </a:r>
-            <a:r>
-              <a:rPr lang="de-DE" dirty="0"/>
-              <a:t> </a:t>
-            </a:r>
-            <a:r>
-              <a:rPr lang="de-DE" dirty="0" err="1"/>
-              <a:t>your</a:t>
-            </a:r>
-            <a:r>
-              <a:rPr lang="de-DE" dirty="0"/>
-              <a:t> SQL Code fast </a:t>
-            </a:r>
-            <a:r>
-              <a:rPr lang="de-DE" dirty="0" err="1"/>
-              <a:t>again</a:t>
-            </a:r>
-            <a:endParaRPr lang="de-DE" dirty="0"/>
+              <a:rPr lang="en-US" dirty="0"/>
+              <a:t>Make your SQL Code fast again</a:t>
+            </a:r>
           </a:p>
         </p:txBody>
       </p:sp>
@@ -6414,7 +6884,6 @@
               <a:rPr lang="en-US" dirty="0"/>
               <a:t>Practical examples and best practices to improve performance.</a:t>
             </a:r>
-            <a:endParaRPr lang="de-DE" dirty="0"/>
           </a:p>
         </p:txBody>
       </p:sp>
@@ -6540,6 +7009,26 @@
           <a:p>
             <a:r>
               <a:rPr lang="en-US" dirty="0"/>
+              <a:t>Tools and best practices</a:t>
+            </a:r>
+          </a:p>
+          <a:p>
+            <a:pPr lvl="1"/>
+            <a:r>
+              <a:rPr lang="en-US" dirty="0"/>
+              <a:t>using analysis and optimization tools </a:t>
+            </a:r>
+          </a:p>
+          <a:p>
+            <a:pPr lvl="1"/>
+            <a:r>
+              <a:rPr lang="en-US" dirty="0"/>
+              <a:t>recommendations for improving query speed.</a:t>
+            </a:r>
+          </a:p>
+          <a:p>
+            <a:r>
+              <a:rPr lang="en-US" dirty="0"/>
               <a:t>Detecting bad SQL code</a:t>
             </a:r>
           </a:p>
@@ -6582,26 +7071,6 @@
             <a:r>
               <a:rPr lang="en-US" dirty="0"/>
               <a:t>Using indexes</a:t>
-            </a:r>
-          </a:p>
-          <a:p>
-            <a:r>
-              <a:rPr lang="en-US" dirty="0"/>
-              <a:t>Tools and best practices</a:t>
-            </a:r>
-          </a:p>
-          <a:p>
-            <a:pPr lvl="1"/>
-            <a:r>
-              <a:rPr lang="en-US" dirty="0"/>
-              <a:t>using analysis and optimization tools </a:t>
-            </a:r>
-          </a:p>
-          <a:p>
-            <a:pPr lvl="1"/>
-            <a:r>
-              <a:rPr lang="en-US" dirty="0"/>
-              <a:t>recommendations for improving query speed.</a:t>
             </a:r>
           </a:p>
         </p:txBody>
@@ -6658,8 +7127,8 @@
           <a:lstStyle/>
           <a:p>
             <a:r>
-              <a:rPr lang="de-DE" dirty="0"/>
-              <a:t>Analysis Tools</a:t>
+              <a:rPr lang="en-US" dirty="0"/>
+              <a:t>Tools and best practices</a:t>
             </a:r>
           </a:p>
         </p:txBody>
@@ -6692,12 +7161,8 @@
           </a:p>
           <a:p>
             <a:r>
-              <a:rPr lang="de-DE" dirty="0" err="1"/>
-              <a:t>Perfmon</a:t>
-            </a:r>
-            <a:r>
               <a:rPr lang="de-DE" dirty="0"/>
-              <a:t> / Resource Monitor</a:t>
+              <a:t>Performance Monitor / Resource Monitor</a:t>
             </a:r>
           </a:p>
           <a:p>
